--- a/ゼミ0622.pptx
+++ b/ゼミ0622.pptx
@@ -3753,90 +3753,8 @@
           <a:lstStyle/>
           <a:p>
             <a:r>
-              <a:rPr lang="en" altLang="ja-JP" dirty="0" err="1">
-                <a:solidFill>
-                  <a:schemeClr val="bg2">
-                    <a:lumMod val="75000"/>
-                  </a:schemeClr>
-                </a:solidFill>
-              </a:rPr>
-              <a:t>get_estimates</a:t>
-            </a:r>
-            <a:r>
-              <a:rPr lang="ja-JP" altLang="en-US">
-                <a:solidFill>
-                  <a:schemeClr val="bg2">
-                    <a:lumMod val="75000"/>
-                  </a:schemeClr>
-                </a:solidFill>
-              </a:rPr>
-              <a:t>を書く（</a:t>
-            </a:r>
-            <a:r>
-              <a:rPr lang="en-US" altLang="ja-JP" dirty="0" err="1">
-                <a:solidFill>
-                  <a:schemeClr val="bg2">
-                    <a:lumMod val="75000"/>
-                  </a:schemeClr>
-                </a:solidFill>
-              </a:rPr>
-              <a:t>mayu.R</a:t>
-            </a:r>
-            <a:r>
-              <a:rPr lang="ja-JP" altLang="en-US">
-                <a:solidFill>
-                  <a:schemeClr val="bg2">
-                    <a:lumMod val="75000"/>
-                  </a:schemeClr>
-                </a:solidFill>
-              </a:rPr>
-              <a:t>）</a:t>
-            </a:r>
-            <a:endParaRPr lang="en-US" altLang="ja-JP" dirty="0">
-              <a:solidFill>
-                <a:schemeClr val="bg2">
-                  <a:lumMod val="75000"/>
-                </a:schemeClr>
-              </a:solidFill>
-            </a:endParaRPr>
-          </a:p>
-          <a:p>
-            <a:r>
-              <a:rPr lang="en-US" altLang="ja-JP" dirty="0">
-                <a:solidFill>
-                  <a:schemeClr val="bg2">
-                    <a:lumMod val="75000"/>
-                  </a:schemeClr>
-                </a:solidFill>
-              </a:rPr>
-              <a:t>MCMC</a:t>
-            </a:r>
-            <a:r>
-              <a:rPr lang="ja-JP" altLang="en-US">
-                <a:solidFill>
-                  <a:schemeClr val="bg2">
-                    <a:lumMod val="75000"/>
-                  </a:schemeClr>
-                </a:solidFill>
-              </a:rPr>
-              <a:t>の原理勉強</a:t>
-            </a:r>
-            <a:endParaRPr lang="en-US" altLang="ja-JP" dirty="0">
-              <a:solidFill>
-                <a:schemeClr val="bg2">
-                  <a:lumMod val="75000"/>
-                </a:schemeClr>
-              </a:solidFill>
-            </a:endParaRPr>
-          </a:p>
-          <a:p>
-            <a:r>
-              <a:rPr lang="en-US" altLang="ja-JP" dirty="0" err="1"/>
-              <a:t>TimeID</a:t>
-            </a:r>
-            <a:r>
               <a:rPr lang="ja-JP" altLang="en-US"/>
-              <a:t>も飛び飛びになってしまっているからもうデータから書き換える</a:t>
+              <a:t>データを直す</a:t>
             </a:r>
             <a:r>
               <a:rPr lang="en-US" altLang="ja-JP" dirty="0"/>
@@ -3884,6 +3802,51 @@
               <a:rPr lang="ja-JP" altLang="en-US"/>
               <a:t>次元に直す</a:t>
             </a:r>
+            <a:endParaRPr lang="en-US" altLang="ja-JP" dirty="0"/>
+          </a:p>
+          <a:p>
+            <a:endParaRPr lang="en-US" altLang="ja-JP" dirty="0"/>
+          </a:p>
+          <a:p>
+            <a:r>
+              <a:rPr lang="en" altLang="ja-JP" dirty="0" err="1"/>
+              <a:t>get_estimates</a:t>
+            </a:r>
+            <a:r>
+              <a:rPr lang="ja-JP" altLang="en-US"/>
+              <a:t>を書く（</a:t>
+            </a:r>
+            <a:r>
+              <a:rPr lang="en-US" altLang="ja-JP" dirty="0" err="1"/>
+              <a:t>mayu.R</a:t>
+            </a:r>
+            <a:r>
+              <a:rPr lang="ja-JP" altLang="en-US"/>
+              <a:t>）→途中</a:t>
+            </a:r>
+            <a:endParaRPr lang="en-US" altLang="ja-JP" dirty="0"/>
+          </a:p>
+          <a:p>
+            <a:r>
+              <a:rPr lang="en-US" altLang="ja-JP" dirty="0"/>
+              <a:t>-&gt;</a:t>
+            </a:r>
+            <a:r>
+              <a:rPr lang="ja-JP" altLang="en-US"/>
+              <a:t>エラーの原因は</a:t>
+            </a:r>
+            <a:r>
+              <a:rPr lang="en-US" altLang="ja-JP" dirty="0" err="1"/>
+              <a:t>category_prm</a:t>
+            </a:r>
+            <a:r>
+              <a:rPr lang="ja-JP" altLang="en-US"/>
+              <a:t>にありそう</a:t>
+            </a:r>
+            <a:endParaRPr lang="en-US" altLang="ja-JP" dirty="0"/>
+          </a:p>
+          <a:p>
+            <a:endParaRPr lang="ja-JP" altLang="en-US"/>
           </a:p>
           <a:p>
             <a:endParaRPr kumimoji="1" lang="ja-JP" altLang="en-US"/>
